--- a/slides/instruction/principleWindows_4.pptx
+++ b/slides/instruction/principleWindows_4.pptx
@@ -5458,6 +5458,183 @@
 </p:notes>
 </file>
 
+<file path=ppt/notesSlides/notesSlide9.xml><?xml version="1.0" encoding="utf-8"?>
+<p:notes xmlns:a="http://schemas.openxmlformats.org/drawingml/2006/main" xmlns:r="http://schemas.openxmlformats.org/officeDocument/2006/relationships" xmlns:p="http://schemas.openxmlformats.org/presentationml/2006/main">
+  <p:cSld>
+    <p:spTree>
+      <p:nvGrpSpPr>
+        <p:cNvPr id="1" name=""/>
+        <p:cNvGrpSpPr/>
+        <p:nvPr/>
+      </p:nvGrpSpPr>
+      <p:grpSpPr>
+        <a:xfrm>
+          <a:off x="0" y="0"/>
+          <a:ext cx="0" cy="0"/>
+          <a:chOff x="0" y="0"/>
+          <a:chExt cx="0" cy="0"/>
+        </a:xfrm>
+      </p:grpSpPr>
+      <p:sp>
+        <p:nvSpPr>
+          <p:cNvPr id="2" name="幻灯片图像占位符 1"/>
+          <p:cNvSpPr>
+            <a:spLocks noGrp="1" noRot="1" noChangeAspect="1"/>
+          </p:cNvSpPr>
+          <p:nvPr>
+            <p:ph type="sldImg"/>
+          </p:nvPr>
+        </p:nvSpPr>
+        <p:spPr/>
+      </p:sp>
+      <p:sp>
+        <p:nvSpPr>
+          <p:cNvPr id="3" name="备注占位符 2"/>
+          <p:cNvSpPr>
+            <a:spLocks noGrp="1"/>
+          </p:cNvSpPr>
+          <p:nvPr>
+            <p:ph type="body" idx="1"/>
+          </p:nvPr>
+        </p:nvSpPr>
+        <p:spPr/>
+        <p:txBody>
+          <a:bodyPr/>
+          <a:lstStyle/>
+          <a:p>
+            <a:r>
+              <a:rPr lang="en-US" altLang="zh-CN" dirty="0"/>
+              <a:t>FAT16</a:t>
+            </a:r>
+            <a:r>
+              <a:rPr lang="zh-CN" altLang="en-US" dirty="0"/>
+              <a:t>文件系统分区包含簇的最大数目是</a:t>
+            </a:r>
+            <a:r>
+              <a:rPr lang="en-US" altLang="zh-CN" dirty="0"/>
+              <a:t>2^16=65,536</a:t>
+            </a:r>
+            <a:r>
+              <a:rPr lang="zh-CN" altLang="en-US" dirty="0"/>
+              <a:t>个簇。</a:t>
+            </a:r>
+            <a:endParaRPr lang="en-US" altLang="zh-CN" dirty="0"/>
+          </a:p>
+          <a:p>
+            <a:r>
+              <a:rPr lang="zh-CN" altLang="en-US" dirty="0"/>
+              <a:t>在</a:t>
+            </a:r>
+            <a:r>
+              <a:rPr lang="en-US" altLang="zh-CN" dirty="0"/>
+              <a:t>Win9X</a:t>
+            </a:r>
+            <a:r>
+              <a:rPr lang="zh-CN" altLang="en-US" dirty="0"/>
+              <a:t>平台中，最大簇为</a:t>
+            </a:r>
+            <a:r>
+              <a:rPr lang="en-US" altLang="zh-CN" dirty="0"/>
+              <a:t>64</a:t>
+            </a:r>
+            <a:r>
+              <a:rPr lang="zh-CN" altLang="en-US" dirty="0"/>
+              <a:t>个扇区</a:t>
+            </a:r>
+            <a:r>
+              <a:rPr lang="en-US" altLang="zh-CN" dirty="0"/>
+              <a:t>=2^6*2^9=2^15=32,768</a:t>
+            </a:r>
+            <a:r>
+              <a:rPr lang="zh-CN" altLang="en-US" dirty="0"/>
+              <a:t>字节，对应分区容量为</a:t>
+            </a:r>
+            <a:r>
+              <a:rPr lang="en-US" altLang="zh-CN" dirty="0"/>
+              <a:t>2^16*2^15=2^31=2G</a:t>
+            </a:r>
+            <a:r>
+              <a:rPr lang="zh-CN" altLang="en-US" dirty="0"/>
+              <a:t>字节。</a:t>
+            </a:r>
+            <a:endParaRPr lang="en-US" altLang="zh-CN" dirty="0"/>
+          </a:p>
+          <a:p>
+            <a:r>
+              <a:rPr lang="zh-CN" altLang="en-US" dirty="0"/>
+              <a:t>在</a:t>
+            </a:r>
+            <a:r>
+              <a:rPr lang="en-US" altLang="zh-CN" dirty="0"/>
+              <a:t>Win2000</a:t>
+            </a:r>
+            <a:r>
+              <a:rPr lang="zh-CN" altLang="en-US" dirty="0"/>
+              <a:t>中，最大簇为</a:t>
+            </a:r>
+            <a:r>
+              <a:rPr lang="en-US" altLang="zh-CN" dirty="0"/>
+              <a:t>128</a:t>
+            </a:r>
+            <a:r>
+              <a:rPr lang="zh-CN" altLang="en-US" dirty="0"/>
+              <a:t>个扇区</a:t>
+            </a:r>
+            <a:r>
+              <a:rPr lang="en-US" altLang="zh-CN" dirty="0"/>
+              <a:t>=2^7*2^9=2^16=65,536</a:t>
+            </a:r>
+            <a:r>
+              <a:rPr lang="zh-CN" altLang="en-US" dirty="0"/>
+              <a:t>字节，对应分区容量为</a:t>
+            </a:r>
+            <a:r>
+              <a:rPr lang="en-US" altLang="zh-CN" dirty="0"/>
+              <a:t>2^16*2^16=2^32=4G</a:t>
+            </a:r>
+            <a:r>
+              <a:rPr lang="zh-CN" altLang="en-US" dirty="0"/>
+              <a:t>字节。</a:t>
+            </a:r>
+          </a:p>
+        </p:txBody>
+      </p:sp>
+      <p:sp>
+        <p:nvSpPr>
+          <p:cNvPr id="4" name="灯片编号占位符 3"/>
+          <p:cNvSpPr>
+            <a:spLocks noGrp="1"/>
+          </p:cNvSpPr>
+          <p:nvPr>
+            <p:ph type="sldNum" sz="quarter" idx="5"/>
+          </p:nvPr>
+        </p:nvSpPr>
+        <p:spPr/>
+        <p:txBody>
+          <a:bodyPr/>
+          <a:lstStyle/>
+          <a:p>
+            <a:fld id="{FF6B7014-1CA7-42FF-9E69-87C27AE33F47}" type="slidenum">
+              <a:rPr lang="zh-CN" altLang="en-US" smtClean="0"/>
+              <a:t>20</a:t>
+            </a:fld>
+            <a:endParaRPr lang="zh-CN" altLang="en-US"/>
+          </a:p>
+        </p:txBody>
+      </p:sp>
+    </p:spTree>
+    <p:extLst>
+      <p:ext uri="{BB962C8B-B14F-4D97-AF65-F5344CB8AC3E}">
+        <p14:creationId xmlns:p14="http://schemas.microsoft.com/office/powerpoint/2010/main" val="299443833"/>
+      </p:ext>
+    </p:extLst>
+  </p:cSld>
+  <p:clrMapOvr>
+    <a:masterClrMapping/>
+  </p:clrMapOvr>
+</p:notes>
+</file>
+
 <file path=ppt/slideLayouts/slideLayout1.xml><?xml version="1.0" encoding="utf-8"?>
 <p:sldLayout xmlns:a="http://schemas.openxmlformats.org/drawingml/2006/main" xmlns:r="http://schemas.openxmlformats.org/officeDocument/2006/relationships" xmlns:p="http://schemas.openxmlformats.org/presentationml/2006/main" type="title" preserve="1">
   <p:cSld name="标题幻灯片">
@@ -11670,7 +11847,7 @@
           <a:graphicData uri="http://schemas.openxmlformats.org/presentationml/2006/ole">
             <mc:AlternateContent xmlns:mc="http://schemas.openxmlformats.org/markup-compatibility/2006">
               <mc:Choice xmlns:v="urn:schemas-microsoft-com:vml" Requires="v">
-                <p:oleObj spid="_x0000_s1091" name="Photo Editor 照片" r:id="rId3" imgW="3467584" imgH="2000000" progId="MSPhotoEd.3">
+                <p:oleObj spid="_x0000_s1092" name="Photo Editor 照片" r:id="rId3" imgW="3467584" imgH="2000000" progId="MSPhotoEd.3">
                   <p:embed/>
                 </p:oleObj>
               </mc:Choice>
@@ -13610,7 +13787,7 @@
           <p:nvPr/>
         </p:nvPicPr>
         <p:blipFill>
-          <a:blip r:embed="rId2">
+          <a:blip r:embed="rId3">
             <a:extLst>
               <a:ext uri="{28A0092B-C50C-407E-A947-70E740481C1C}">
                 <a14:useLocalDpi xmlns:a14="http://schemas.microsoft.com/office/drawing/2010/main" val="0"/>
@@ -17276,7 +17453,7 @@
           <a:graphicData uri="http://schemas.openxmlformats.org/presentationml/2006/ole">
             <mc:AlternateContent xmlns:mc="http://schemas.openxmlformats.org/markup-compatibility/2006">
               <mc:Choice xmlns:v="urn:schemas-microsoft-com:vml" Requires="v">
-                <p:oleObj spid="_x0000_s2115" name="Photo Editor 照片" r:id="rId3" imgW="5249008" imgH="2085714" progId="MSPhotoEd.3">
+                <p:oleObj spid="_x0000_s2116" name="Photo Editor 照片" r:id="rId3" imgW="5249008" imgH="2085714" progId="MSPhotoEd.3">
                   <p:embed/>
                 </p:oleObj>
               </mc:Choice>
@@ -20059,7 +20236,7 @@
           <a:graphicData uri="http://schemas.openxmlformats.org/presentationml/2006/ole">
             <mc:AlternateContent xmlns:mc="http://schemas.openxmlformats.org/markup-compatibility/2006">
               <mc:Choice xmlns:v="urn:schemas-microsoft-com:vml" Requires="v">
-                <p:oleObj spid="_x0000_s3138" name="Photo Editor 照片" r:id="rId3" imgW="6238095" imgH="8152381" progId="MSPhotoEd.3">
+                <p:oleObj spid="_x0000_s3139" name="Photo Editor 照片" r:id="rId3" imgW="6238095" imgH="8152381" progId="MSPhotoEd.3">
                   <p:embed/>
                 </p:oleObj>
               </mc:Choice>
@@ -21602,7 +21779,7 @@
           <a:graphicData uri="http://schemas.openxmlformats.org/presentationml/2006/ole">
             <mc:AlternateContent xmlns:mc="http://schemas.openxmlformats.org/markup-compatibility/2006">
               <mc:Choice xmlns:v="urn:schemas-microsoft-com:vml" Requires="v">
-                <p:oleObj spid="_x0000_s4162" name="Photo Editor 照片" r:id="rId3" imgW="5076190" imgH="3820058" progId="MSPhotoEd.3">
+                <p:oleObj spid="_x0000_s4163" name="Photo Editor 照片" r:id="rId3" imgW="5076190" imgH="3820058" progId="MSPhotoEd.3">
                   <p:embed/>
                 </p:oleObj>
               </mc:Choice>
